--- a/presentazione.pptx
+++ b/presentazione.pptx
@@ -33,14 +33,14 @@
       <p:boldItalic r:id="rId19"/>
     </p:embeddedFont>
     <p:embeddedFont>
-      <p:font typeface="Merriweather" panose="00000500000000000000" pitchFamily="2" charset="0"/>
+      <p:font typeface="Merriweather" panose="020F0502020204030204" pitchFamily="2" charset="0"/>
       <p:regular r:id="rId20"/>
       <p:bold r:id="rId21"/>
       <p:italic r:id="rId22"/>
       <p:boldItalic r:id="rId23"/>
     </p:embeddedFont>
     <p:embeddedFont>
-      <p:font typeface="Open Sans" panose="020B0606030504020204" pitchFamily="34" charset="0"/>
+      <p:font typeface="Open Sans" panose="020F0502020204030204" pitchFamily="34" charset="0"/>
       <p:regular r:id="rId24"/>
       <p:bold r:id="rId25"/>
       <p:italic r:id="rId26"/>
@@ -288,7 +288,7 @@
       <p15:sldGuideLst xmlns:p15="http://schemas.microsoft.com/office/powerpoint/2012/main"/>
     </p:ext>
     <p:ext uri="GoogleSlidesCustomDataVersion2">
-      <go:slidesCustomData xmlns="" xmlns:mc="http://schemas.openxmlformats.org/markup-compatibility/2006" xmlns:mv="urn:schemas-microsoft-com:mac:vml" xmlns:c="http://schemas.openxmlformats.org/drawingml/2006/chart" xmlns:dgm="http://schemas.openxmlformats.org/drawingml/2006/diagram" xmlns:o="urn:schemas-microsoft-com:office:office" xmlns:v="urn:schemas-microsoft-com:vml" xmlns:pvml="urn:schemas-microsoft-com:office:powerpoint" xmlns:com="http://schemas.openxmlformats.org/drawingml/2006/compatibility" xmlns:p14="http://schemas.microsoft.com/office/powerpoint/2010/main" xmlns:p15="http://schemas.microsoft.com/office/powerpoint/2012/main" xmlns:ahyp="http://schemas.microsoft.com/office/drawing/2018/hyperlinkcolor" xmlns:go="http://customooxmlschemas.google.com/" r:id="rId41" roundtripDataSignature="AMtx7mgsTjNHTTET/SHDtFIaI8GfbW+nhw=="/>
+      <go:slidesCustomData xmlns:go="http://customooxmlschemas.google.com/" xmlns:ahyp="http://schemas.microsoft.com/office/drawing/2018/hyperlinkcolor" xmlns:p15="http://schemas.microsoft.com/office/powerpoint/2012/main" xmlns:p14="http://schemas.microsoft.com/office/powerpoint/2010/main" xmlns:com="http://schemas.openxmlformats.org/drawingml/2006/compatibility" xmlns:pvml="urn:schemas-microsoft-com:office:powerpoint" xmlns:v="urn:schemas-microsoft-com:vml" xmlns:o="urn:schemas-microsoft-com:office:office" xmlns:dgm="http://schemas.openxmlformats.org/drawingml/2006/diagram" xmlns:c="http://schemas.openxmlformats.org/drawingml/2006/chart" xmlns:mv="urn:schemas-microsoft-com:mac:vml" xmlns:mc="http://schemas.openxmlformats.org/markup-compatibility/2006" xmlns="" r:id="rId41" roundtripDataSignature="AMtx7mgsTjNHTTET/SHDtFIaI8GfbW+nhw=="/>
     </p:ext>
   </p:extLst>
 </p:presentation>
@@ -6487,72 +6487,6 @@
         </a:p>
       </dgm:t>
     </dgm:pt>
-    <dgm:pt modelId="{A20C55A8-7C3D-42B0-9A5D-69971579091A}">
-      <dgm:prSet custT="1"/>
-      <dgm:spPr/>
-      <dgm:t>
-        <a:bodyPr/>
-        <a:lstStyle/>
-        <a:p>
-          <a:endParaRPr lang="en-US" sz="1600" dirty="0"/>
-        </a:p>
-      </dgm:t>
-    </dgm:pt>
-    <dgm:pt modelId="{67F641C9-13AB-4B48-961F-0660CD02EB8D}" type="parTrans" cxnId="{3EBDABCA-9E56-4F56-AAC5-598F0A9A2C34}">
-      <dgm:prSet/>
-      <dgm:spPr/>
-      <dgm:t>
-        <a:bodyPr/>
-        <a:lstStyle/>
-        <a:p>
-          <a:endParaRPr lang="it-IT"/>
-        </a:p>
-      </dgm:t>
-    </dgm:pt>
-    <dgm:pt modelId="{498928C9-4F5F-4B20-92CD-58DCEF124CE1}" type="sibTrans" cxnId="{3EBDABCA-9E56-4F56-AAC5-598F0A9A2C34}">
-      <dgm:prSet/>
-      <dgm:spPr/>
-      <dgm:t>
-        <a:bodyPr/>
-        <a:lstStyle/>
-        <a:p>
-          <a:endParaRPr lang="it-IT"/>
-        </a:p>
-      </dgm:t>
-    </dgm:pt>
-    <dgm:pt modelId="{5292C256-A5ED-44FC-8608-AE97F06EAC3F}">
-      <dgm:prSet custT="1"/>
-      <dgm:spPr/>
-      <dgm:t>
-        <a:bodyPr/>
-        <a:lstStyle/>
-        <a:p>
-          <a:endParaRPr lang="en-US" sz="1600" dirty="0"/>
-        </a:p>
-      </dgm:t>
-    </dgm:pt>
-    <dgm:pt modelId="{78832D67-75D9-484C-8230-32094BA14AC0}" type="parTrans" cxnId="{50A2B969-6070-441B-B8C0-402B4AAD3955}">
-      <dgm:prSet/>
-      <dgm:spPr/>
-      <dgm:t>
-        <a:bodyPr/>
-        <a:lstStyle/>
-        <a:p>
-          <a:endParaRPr lang="it-IT"/>
-        </a:p>
-      </dgm:t>
-    </dgm:pt>
-    <dgm:pt modelId="{416DBA9D-477E-48C6-93D5-E4ACBA0950E8}" type="sibTrans" cxnId="{50A2B969-6070-441B-B8C0-402B4AAD3955}">
-      <dgm:prSet/>
-      <dgm:spPr/>
-      <dgm:t>
-        <a:bodyPr/>
-        <a:lstStyle/>
-        <a:p>
-          <a:endParaRPr lang="it-IT"/>
-        </a:p>
-      </dgm:t>
-    </dgm:pt>
     <dgm:pt modelId="{5FB1F407-B71A-4D39-BC3D-ECAF55A710A4}">
       <dgm:prSet custT="1"/>
       <dgm:spPr/>
@@ -6857,7 +6791,6 @@
     </dgm:pt>
   </dgm:ptLst>
   <dgm:cxnLst>
-    <dgm:cxn modelId="{55D4B30A-B9B8-4C3B-BCA7-3C28995440C1}" type="presOf" srcId="{5292C256-A5ED-44FC-8608-AE97F06EAC3F}" destId="{07B91D8C-8240-4BC9-BF2D-FC6782633AAF}" srcOrd="0" destOrd="4" presId="urn:diagrams.loki3.com/BracketList"/>
     <dgm:cxn modelId="{2E989C0E-F31A-4816-9AFA-4969FAA55565}" srcId="{D9EBFAC1-E232-415A-A45C-47809033EFC6}" destId="{A1EC6E74-B8C1-4D40-98EF-823E654A7BC1}" srcOrd="0" destOrd="0" parTransId="{84156382-710C-4FCF-944C-4BA950A13EBD}" sibTransId="{9C86B6D2-7657-4D09-9368-68363642C999}"/>
     <dgm:cxn modelId="{CA68C20F-8776-4CC4-BF94-2B46C15737A9}" srcId="{80A4AE32-8128-4FE7-AFFC-082CE8394671}" destId="{5FB1F407-B71A-4D39-BC3D-ECAF55A710A4}" srcOrd="1" destOrd="0" parTransId="{86E56551-5CBF-482A-9B2D-4B1118AF90AF}" sibTransId="{71053FAB-8260-4BA0-AA92-81C4C5D8C8FA}"/>
     <dgm:cxn modelId="{72B19422-E606-47F7-AE12-0ABE0122143D}" type="presOf" srcId="{BE9E4DFE-86BE-4A60-82AC-7F1BD4E8FA42}" destId="{6E8AC9E1-DEBA-42CD-A31B-44AA98DA49F6}" srcOrd="0" destOrd="0" presId="urn:diagrams.loki3.com/BracketList"/>
@@ -6867,15 +6800,12 @@
     <dgm:cxn modelId="{7C5E1935-8689-46A8-9B1F-2787CCEF443A}" type="presOf" srcId="{A1EC6E74-B8C1-4D40-98EF-823E654A7BC1}" destId="{621A4BB9-4F00-4780-9239-46E602B203DB}" srcOrd="0" destOrd="0" presId="urn:diagrams.loki3.com/BracketList"/>
     <dgm:cxn modelId="{46477239-205E-405B-91B8-48E4B9E1EE3C}" type="presOf" srcId="{4CBC175D-FEBD-4019-B824-427E189E3380}" destId="{07B91D8C-8240-4BC9-BF2D-FC6782633AAF}" srcOrd="0" destOrd="0" presId="urn:diagrams.loki3.com/BracketList"/>
     <dgm:cxn modelId="{55A2F448-34B4-4D5E-9811-BE528FBC2704}" type="presOf" srcId="{5FB1F407-B71A-4D39-BC3D-ECAF55A710A4}" destId="{07B91D8C-8240-4BC9-BF2D-FC6782633AAF}" srcOrd="0" destOrd="1" presId="urn:diagrams.loki3.com/BracketList"/>
-    <dgm:cxn modelId="{50A2B969-6070-441B-B8C0-402B4AAD3955}" srcId="{80A4AE32-8128-4FE7-AFFC-082CE8394671}" destId="{5292C256-A5ED-44FC-8608-AE97F06EAC3F}" srcOrd="4" destOrd="0" parTransId="{78832D67-75D9-484C-8230-32094BA14AC0}" sibTransId="{416DBA9D-477E-48C6-93D5-E4ACBA0950E8}"/>
-    <dgm:cxn modelId="{E831C16A-3218-4437-91DD-E1EC2471584B}" type="presOf" srcId="{A20C55A8-7C3D-42B0-9A5D-69971579091A}" destId="{6E8AC9E1-DEBA-42CD-A31B-44AA98DA49F6}" srcOrd="0" destOrd="2" presId="urn:diagrams.loki3.com/BracketList"/>
     <dgm:cxn modelId="{C3C1F450-AC57-4F28-BC55-2B8A083B4B64}" type="presOf" srcId="{D9EBFAC1-E232-415A-A45C-47809033EFC6}" destId="{BBA2696B-E6C3-47FB-AD83-D05A6922ECD7}" srcOrd="0" destOrd="0" presId="urn:diagrams.loki3.com/BracketList"/>
     <dgm:cxn modelId="{7D034275-650B-445E-9AB6-21B9E181D932}" type="presOf" srcId="{530F66F9-CB18-4079-B300-55892F67261C}" destId="{07B91D8C-8240-4BC9-BF2D-FC6782633AAF}" srcOrd="0" destOrd="2" presId="urn:diagrams.loki3.com/BracketList"/>
     <dgm:cxn modelId="{91211859-AEEE-465D-BDF4-24DF58489769}" srcId="{D9EBFAC1-E232-415A-A45C-47809033EFC6}" destId="{80A4AE32-8128-4FE7-AFFC-082CE8394671}" srcOrd="1" destOrd="0" parTransId="{0738929E-EDC2-495F-88E6-767E1C7492C6}" sibTransId="{6CF8F26E-71F5-4397-8F0A-A8D1EB35D76E}"/>
     <dgm:cxn modelId="{E276D3A5-30C3-4BD8-87F9-D8FBDC14EE56}" srcId="{A1EC6E74-B8C1-4D40-98EF-823E654A7BC1}" destId="{AE93D835-1C68-4510-8F25-E8C8BF1C4105}" srcOrd="1" destOrd="0" parTransId="{347BAA12-A342-401A-9DB2-B2C31E78B6DE}" sibTransId="{170834EF-1798-4AF2-97AC-DF90B7ADF719}"/>
     <dgm:cxn modelId="{5A4902B8-DF47-40F9-B788-4ED13AA84E04}" type="presOf" srcId="{D9B01DAB-8451-4484-9F46-7B78C26B2B09}" destId="{1B45F8F6-7C4B-4B12-8C91-A8FE2018318C}" srcOrd="0" destOrd="1" presId="urn:diagrams.loki3.com/BracketList"/>
     <dgm:cxn modelId="{6CE919BB-F38B-4444-ABFA-0B02DE139739}" type="presOf" srcId="{78D70EA9-F9DA-4680-AF2A-D38F7B3932E5}" destId="{07B91D8C-8240-4BC9-BF2D-FC6782633AAF}" srcOrd="0" destOrd="3" presId="urn:diagrams.loki3.com/BracketList"/>
-    <dgm:cxn modelId="{3EBDABCA-9E56-4F56-AAC5-598F0A9A2C34}" srcId="{A1EC6E74-B8C1-4D40-98EF-823E654A7BC1}" destId="{A20C55A8-7C3D-42B0-9A5D-69971579091A}" srcOrd="2" destOrd="0" parTransId="{67F641C9-13AB-4B48-961F-0660CD02EB8D}" sibTransId="{498928C9-4F5F-4B20-92CD-58DCEF124CE1}"/>
     <dgm:cxn modelId="{8EB467CB-9103-47FE-AAB1-FDF18871BD3B}" srcId="{52862BEF-DF05-4382-B4CD-C8788366F000}" destId="{D9B01DAB-8451-4484-9F46-7B78C26B2B09}" srcOrd="1" destOrd="0" parTransId="{F96EB908-B618-4C06-AA7D-F3190C7BF634}" sibTransId="{0F78B20A-1D70-445B-9B25-283343BD7F91}"/>
     <dgm:cxn modelId="{637374DC-143F-405C-8650-457B67DCAE4A}" srcId="{80A4AE32-8128-4FE7-AFFC-082CE8394671}" destId="{530F66F9-CB18-4079-B300-55892F67261C}" srcOrd="2" destOrd="0" parTransId="{C2713E85-F6C7-457F-9FE0-DCBAB2B3DCF6}" sibTransId="{C3973A52-5882-4ABB-80D0-5E2F56F815EE}"/>
     <dgm:cxn modelId="{FD504CE1-9F24-4C79-B5D4-E7635050FF32}" srcId="{D9EBFAC1-E232-415A-A45C-47809033EFC6}" destId="{52862BEF-DF05-4382-B4CD-C8788366F000}" srcOrd="2" destOrd="0" parTransId="{E01ABE0C-0E60-47EB-83B3-FB3D3406B172}" sibTransId="{B59A6F87-D591-4DBC-9F88-BD098C38EE73}"/>
@@ -11333,8 +11263,8 @@
       </dsp:nvSpPr>
       <dsp:spPr>
         <a:xfrm>
-          <a:off x="0" y="5471"/>
-          <a:ext cx="2840175" cy="1267200"/>
+          <a:off x="0" y="11771"/>
+          <a:ext cx="2840175" cy="1287000"/>
         </a:xfrm>
         <a:prstGeom prst="rect">
           <a:avLst/>
@@ -11383,8 +11313,8 @@
         </a:p>
       </dsp:txBody>
       <dsp:txXfrm>
-        <a:off x="0" y="5471"/>
-        <a:ext cx="2840175" cy="1267200"/>
+        <a:off x="0" y="11771"/>
+        <a:ext cx="2840175" cy="1287000"/>
       </dsp:txXfrm>
     </dsp:sp>
     <dsp:sp modelId="{DE283683-D30A-4110-BDC4-6F8D305C222E}">
@@ -11394,8 +11324,8 @@
       </dsp:nvSpPr>
       <dsp:spPr>
         <a:xfrm>
-          <a:off x="2840174" y="5471"/>
-          <a:ext cx="568035" cy="1267200"/>
+          <a:off x="2840174" y="11771"/>
+          <a:ext cx="568035" cy="1287000"/>
         </a:xfrm>
         <a:prstGeom prst="leftBrace">
           <a:avLst>
@@ -11438,8 +11368,8 @@
       </dsp:nvSpPr>
       <dsp:spPr>
         <a:xfrm>
-          <a:off x="3635423" y="5471"/>
-          <a:ext cx="7725276" cy="1267200"/>
+          <a:off x="3635423" y="11771"/>
+          <a:ext cx="7725276" cy="1287000"/>
         </a:xfrm>
         <a:prstGeom prst="rect">
           <a:avLst/>
@@ -11538,25 +11468,10 @@
             </a:solidFill>
           </a:endParaRPr>
         </a:p>
-        <a:p>
-          <a:pPr marL="171450" lvl="1" indent="-171450" algn="l" defTabSz="711200">
-            <a:lnSpc>
-              <a:spcPct val="90000"/>
-            </a:lnSpc>
-            <a:spcBef>
-              <a:spcPct val="0"/>
-            </a:spcBef>
-            <a:spcAft>
-              <a:spcPct val="15000"/>
-            </a:spcAft>
-            <a:buChar char="•"/>
-          </a:pPr>
-          <a:endParaRPr lang="en-US" sz="1600" kern="1200" dirty="0"/>
-        </a:p>
       </dsp:txBody>
       <dsp:txXfrm>
-        <a:off x="3635423" y="5471"/>
-        <a:ext cx="7725276" cy="1267200"/>
+        <a:off x="3635423" y="11771"/>
+        <a:ext cx="7725276" cy="1287000"/>
       </dsp:txXfrm>
     </dsp:sp>
     <dsp:sp modelId="{88F2990C-2FD0-4984-9E9D-6F89281903E5}">
@@ -11566,8 +11481,8 @@
       </dsp:nvSpPr>
       <dsp:spPr>
         <a:xfrm>
-          <a:off x="0" y="1542671"/>
-          <a:ext cx="2840175" cy="1267200"/>
+          <a:off x="0" y="1532772"/>
+          <a:ext cx="2840175" cy="1287000"/>
         </a:xfrm>
         <a:prstGeom prst="rect">
           <a:avLst/>
@@ -11620,8 +11535,8 @@
         </a:p>
       </dsp:txBody>
       <dsp:txXfrm>
-        <a:off x="0" y="1542671"/>
-        <a:ext cx="2840175" cy="1267200"/>
+        <a:off x="0" y="1532772"/>
+        <a:ext cx="2840175" cy="1287000"/>
       </dsp:txXfrm>
     </dsp:sp>
     <dsp:sp modelId="{F68459A5-0443-4013-98C3-CCA033CDD14A}">
@@ -11631,8 +11546,8 @@
       </dsp:nvSpPr>
       <dsp:spPr>
         <a:xfrm>
-          <a:off x="2840174" y="1503071"/>
-          <a:ext cx="568035" cy="1346400"/>
+          <a:off x="2840174" y="1532772"/>
+          <a:ext cx="568035" cy="1287000"/>
         </a:xfrm>
         <a:prstGeom prst="leftBrace">
           <a:avLst>
@@ -11675,8 +11590,8 @@
       </dsp:nvSpPr>
       <dsp:spPr>
         <a:xfrm>
-          <a:off x="3635423" y="1503071"/>
-          <a:ext cx="7725276" cy="1346400"/>
+          <a:off x="3635423" y="1532772"/>
+          <a:ext cx="7725276" cy="1287000"/>
         </a:xfrm>
         <a:prstGeom prst="rect">
           <a:avLst/>
@@ -11797,25 +11712,10 @@
           </a:r>
           <a:endParaRPr lang="en-US" sz="1600" kern="1200" dirty="0"/>
         </a:p>
-        <a:p>
-          <a:pPr marL="171450" lvl="1" indent="-171450" algn="l" defTabSz="711200">
-            <a:lnSpc>
-              <a:spcPct val="90000"/>
-            </a:lnSpc>
-            <a:spcBef>
-              <a:spcPct val="0"/>
-            </a:spcBef>
-            <a:spcAft>
-              <a:spcPct val="15000"/>
-            </a:spcAft>
-            <a:buChar char="•"/>
-          </a:pPr>
-          <a:endParaRPr lang="en-US" sz="1600" kern="1200" dirty="0"/>
-        </a:p>
       </dsp:txBody>
       <dsp:txXfrm>
-        <a:off x="3635423" y="1503071"/>
-        <a:ext cx="7725276" cy="1346400"/>
+        <a:off x="3635423" y="1532772"/>
+        <a:ext cx="7725276" cy="1287000"/>
       </dsp:txXfrm>
     </dsp:sp>
     <dsp:sp modelId="{09AAFD95-A4BC-4DB3-B010-2961E275E828}">
@@ -11825,8 +11725,8 @@
       </dsp:nvSpPr>
       <dsp:spPr>
         <a:xfrm>
-          <a:off x="0" y="3079871"/>
-          <a:ext cx="2840175" cy="1267200"/>
+          <a:off x="0" y="3053772"/>
+          <a:ext cx="2840175" cy="1287000"/>
         </a:xfrm>
         <a:prstGeom prst="rect">
           <a:avLst/>
@@ -11886,8 +11786,8 @@
         </a:p>
       </dsp:txBody>
       <dsp:txXfrm>
-        <a:off x="0" y="3079871"/>
-        <a:ext cx="2840175" cy="1267200"/>
+        <a:off x="0" y="3053772"/>
+        <a:ext cx="2840175" cy="1287000"/>
       </dsp:txXfrm>
     </dsp:sp>
     <dsp:sp modelId="{29FD7ECA-1F10-485F-A285-E0449BA94393}">
@@ -11897,8 +11797,8 @@
       </dsp:nvSpPr>
       <dsp:spPr>
         <a:xfrm>
-          <a:off x="2840174" y="3079871"/>
-          <a:ext cx="568035" cy="1267200"/>
+          <a:off x="2840174" y="3053772"/>
+          <a:ext cx="568035" cy="1287000"/>
         </a:xfrm>
         <a:prstGeom prst="leftBrace">
           <a:avLst>
@@ -11941,8 +11841,8 @@
       </dsp:nvSpPr>
       <dsp:spPr>
         <a:xfrm>
-          <a:off x="3635423" y="3079871"/>
-          <a:ext cx="7725276" cy="1267200"/>
+          <a:off x="3635423" y="3053772"/>
+          <a:ext cx="7725276" cy="1287000"/>
         </a:xfrm>
         <a:prstGeom prst="rect">
           <a:avLst/>
@@ -12035,8 +11935,8 @@
         </a:p>
       </dsp:txBody>
       <dsp:txXfrm>
-        <a:off x="3635423" y="3079871"/>
-        <a:ext cx="7725276" cy="1267200"/>
+        <a:off x="3635423" y="3053772"/>
+        <a:ext cx="7725276" cy="1287000"/>
       </dsp:txXfrm>
     </dsp:sp>
   </dsp:spTree>
@@ -37270,7 +37170,7 @@
           <p:nvPr>
             <p:extLst>
               <p:ext uri="{D42A27DB-BD31-4B8C-83A1-F6EECF244321}">
-                <p14:modId xmlns:p14="http://schemas.microsoft.com/office/powerpoint/2010/main" val="3445849081"/>
+                <p14:modId xmlns:p14="http://schemas.microsoft.com/office/powerpoint/2010/main" val="1159133088"/>
               </p:ext>
             </p:extLst>
           </p:nvPr>
@@ -38277,7 +38177,7 @@
                   </a:schemeClr>
                 </a:solidFill>
               </a:rPr>
-              <a:t>,                  // The </a:t>
+              <a:t>,                    // The </a:t>
             </a:r>
             <a:r>
               <a:rPr lang="it-IT" sz="2000" dirty="0" err="1">
